--- a/T& First.pptx
+++ b/T& First.pptx
@@ -1,18 +1,18 @@
 
 <file path=ppt/presentation.xml><?xml version="1.0" encoding="utf-8"?>
-<p:presentation xmlns:a="http://schemas.openxmlformats.org/drawingml/2006/main" xmlns:r="http://schemas.openxmlformats.org/officeDocument/2006/relationships" xmlns:p="http://schemas.openxmlformats.org/presentationml/2006/main" saveSubsetFonts="1">
+<p:presentation xmlns:a="http://schemas.openxmlformats.org/drawingml/2006/main" xmlns:r="http://schemas.openxmlformats.org/officeDocument/2006/relationships" xmlns:p="http://schemas.openxmlformats.org/presentationml/2006/main" xmlns:p14="http://schemas.microsoft.com/office/powerpoint/2010/main" saveSubsetFonts="1">
   <p:sldMasterIdLst>
-    <p:sldMasterId id="2147483660" r:id="rId1"/>
+    <p:sldMasterId id="2147483677" r:id="rId18"/>
   </p:sldMasterIdLst>
   <p:sldIdLst>
-    <p:sldId id="256" r:id="rId2"/>
-    <p:sldId id="257" r:id="rId3"/>
-    <p:sldId id="258" r:id="rId4"/>
-    <p:sldId id="264" r:id="rId5"/>
-    <p:sldId id="259" r:id="rId6"/>
-    <p:sldId id="261" r:id="rId7"/>
-    <p:sldId id="260" r:id="rId8"/>
-    <p:sldId id="262" r:id="rId9"/>
+    <p:sldId id="256" r:id="rId20"/>
+    <p:sldId id="257" r:id="rId21"/>
+    <p:sldId id="258" r:id="rId22"/>
+    <p:sldId id="264" r:id="rId23"/>
+    <p:sldId id="259" r:id="rId24"/>
+    <p:sldId id="261" r:id="rId25"/>
+    <p:sldId id="260" r:id="rId26"/>
+    <p:sldId id="262" r:id="rId27"/>
   </p:sldIdLst>
   <p:sldSz cx="12192000" cy="6858000"/>
   <p:notesSz cx="6858000" cy="9144000"/>
@@ -6014,7 +6014,7 @@
 </file>
 
 <file path=ppt/slides/slide3.xml><?xml version="1.0" encoding="utf-8"?>
-<p:sld xmlns:a="http://schemas.openxmlformats.org/drawingml/2006/main" xmlns:r="http://schemas.openxmlformats.org/officeDocument/2006/relationships" xmlns:p="http://schemas.openxmlformats.org/presentationml/2006/main">
+<p:sld xmlns:a="http://schemas.openxmlformats.org/drawingml/2006/main" xmlns:r="http://schemas.openxmlformats.org/officeDocument/2006/relationships" xmlns:p="http://schemas.openxmlformats.org/presentationml/2006/main" xmlns:p14="http://schemas.microsoft.com/office/powerpoint/2010/main">
   <p:cSld>
     <p:spTree>
       <p:nvGrpSpPr>
@@ -6040,7 +6040,12 @@
             <p:ph type="title"/>
           </p:nvPr>
         </p:nvSpPr>
-        <p:spPr/>
+        <p:spPr>
+          <a:xfrm>
+            <a:off x="677545" y="609600"/>
+            <a:ext cx="8597265" cy="1321435"/>
+          </a:xfrm>
+        </p:spPr>
         <p:txBody>
           <a:bodyPr/>
           <a:lstStyle/>
@@ -6056,164 +6061,631 @@
       <p:sp>
         <p:nvSpPr>
           <p:cNvPr id="3" name="내용 개체 틀 2"/>
-          <p:cNvSpPr>
-            <a:spLocks noGrp="1"/>
-          </p:cNvSpPr>
-          <p:nvPr>
-            <p:ph idx="1"/>
-          </p:nvPr>
-        </p:nvSpPr>
-        <p:spPr/>
-        <p:txBody>
-          <a:bodyPr numCol="2">
-            <a:normAutofit/>
+          <p:cNvSpPr txBox="1">
+            <a:spLocks/>
+          </p:cNvSpPr>
+          <p:nvPr>
+            <p:ph type="obj" idx="1"/>
+          </p:nvPr>
+        </p:nvSpPr>
+        <p:spPr>
+          <a:xfrm rot="0">
+            <a:off x="755015" y="1423035"/>
+            <a:ext cx="8597265" cy="4880610"/>
+          </a:xfrm>
+        </p:spPr>
+        <p:txBody>
+          <a:bodyPr wrap="square" lIns="91440" tIns="45720" rIns="91440" bIns="45720" numCol="2" vert="horz" anchor="t">
+            <a:normAutofit fontScale="100000" lnSpcReduction="0"/>
           </a:bodyPr>
           <a:lstStyle/>
           <a:p>
-            <a:r>
-              <a:rPr lang="en-US" altLang="ko-KR" dirty="0" err="1" smtClean="0"/>
-              <a:t>Jdk</a:t>
-            </a:r>
-            <a:r>
-              <a:rPr lang="en-US" altLang="ko-KR" dirty="0" smtClean="0"/>
-              <a:t> 1.8</a:t>
-            </a:r>
-          </a:p>
-          <a:p>
-            <a:r>
-              <a:rPr lang="en-US" altLang="ko-KR" dirty="0" err="1" smtClean="0"/>
-              <a:t>Mysql</a:t>
-            </a:r>
-            <a:r>
-              <a:rPr lang="en-US" altLang="ko-KR" dirty="0"/>
+            <a:pPr marL="342900" indent="-342900" algn="l" fontAlgn="auto" defTabSz="457200">
+              <a:lnSpc>
+                <a:spcPct val="100000"/>
+              </a:lnSpc>
+              <a:spcBef>
+                <a:spcPts val="1000"/>
+              </a:spcBef>
+              <a:spcAft>
+                <a:spcPts val="0"/>
+              </a:spcAft>
+              <a:buClr>
+                <a:srgbClr val="90C226"/>
+              </a:buClr>
+              <a:buSzPct val="80000"/>
+              <a:buFont typeface="Wingdings 3"/>
+              <a:buChar char="u"/>
+            </a:pPr>
+            <a:r>
+              <a:rPr lang="en-US" altLang="ko-KR" sz="1800" cap="none" dirty="0" smtClean="0" b="0" strike="noStrike">
+                <a:latin typeface="Trebuchet MS" charset="0"/>
+                <a:ea typeface="Trebuchet MS" charset="0"/>
+              </a:rPr>
+              <a:t>Jdk 1.8</a:t>
+            </a:r>
+            <a:endParaRPr lang="ko-KR" altLang="en-US" sz="1800" cap="none" dirty="0" smtClean="0" b="0" strike="noStrike">
+              <a:latin typeface="Trebuchet MS" charset="0"/>
+              <a:ea typeface="Trebuchet MS" charset="0"/>
+            </a:endParaRPr>
+          </a:p>
+          <a:p>
+            <a:pPr marL="342900" indent="-342900" algn="l" fontAlgn="auto" defTabSz="457200">
+              <a:lnSpc>
+                <a:spcPct val="100000"/>
+              </a:lnSpc>
+              <a:spcBef>
+                <a:spcPts val="1000"/>
+              </a:spcBef>
+              <a:spcAft>
+                <a:spcPts val="0"/>
+              </a:spcAft>
+              <a:buClr>
+                <a:srgbClr val="90C226"/>
+              </a:buClr>
+              <a:buSzPct val="80000"/>
+              <a:buFont typeface="Wingdings 3"/>
+              <a:buChar char="u"/>
+            </a:pPr>
+            <a:r>
+              <a:rPr lang="en-US" altLang="ko-KR" sz="1800" cap="none" dirty="0" smtClean="0" b="0" strike="noStrike">
+                <a:latin typeface="Trebuchet MS" charset="0"/>
+                <a:ea typeface="Trebuchet MS" charset="0"/>
+              </a:rPr>
+              <a:t>Mysql 5.7</a:t>
+            </a:r>
+            <a:endParaRPr lang="ko-KR" altLang="en-US" sz="1800" cap="none" dirty="0" smtClean="0" b="0" strike="noStrike">
+              <a:latin typeface="Trebuchet MS" charset="0"/>
+              <a:ea typeface="Trebuchet MS" charset="0"/>
+            </a:endParaRPr>
+          </a:p>
+          <a:p>
+            <a:pPr marL="342900" indent="-342900" algn="l" fontAlgn="auto" defTabSz="457200">
+              <a:lnSpc>
+                <a:spcPct val="100000"/>
+              </a:lnSpc>
+              <a:spcBef>
+                <a:spcPts val="1000"/>
+              </a:spcBef>
+              <a:spcAft>
+                <a:spcPts val="0"/>
+              </a:spcAft>
+              <a:buClr>
+                <a:srgbClr val="90C226"/>
+              </a:buClr>
+              <a:buSzPct val="80000"/>
+              <a:buFont typeface="Wingdings 3"/>
+              <a:buChar char="u"/>
+            </a:pPr>
+            <a:r>
+              <a:rPr lang="en-US" altLang="ko-KR" sz="1800" cap="none" dirty="0" smtClean="0" b="0" strike="noStrike">
+                <a:latin typeface="Trebuchet MS" charset="0"/>
+                <a:ea typeface="Trebuchet MS" charset="0"/>
+              </a:rPr>
+              <a:t>Ajax, Jquery</a:t>
+            </a:r>
+            <a:endParaRPr lang="ko-KR" altLang="en-US" sz="1800" cap="none" dirty="0" smtClean="0" b="0" strike="noStrike">
+              <a:latin typeface="Trebuchet MS" charset="0"/>
+              <a:ea typeface="Trebuchet MS" charset="0"/>
+            </a:endParaRPr>
+          </a:p>
+          <a:p>
+            <a:pPr marL="342900" indent="-342900" algn="l" fontAlgn="auto" defTabSz="457200">
+              <a:lnSpc>
+                <a:spcPct val="100000"/>
+              </a:lnSpc>
+              <a:spcBef>
+                <a:spcPts val="1000"/>
+              </a:spcBef>
+              <a:spcAft>
+                <a:spcPts val="0"/>
+              </a:spcAft>
+              <a:buClr>
+                <a:srgbClr val="90C226"/>
+              </a:buClr>
+              <a:buSzPct val="80000"/>
+              <a:buFont typeface="Wingdings 3"/>
+              <a:buChar char="u"/>
+            </a:pPr>
+            <a:r>
+              <a:rPr lang="en-US" altLang="ko-KR" sz="1800" cap="none" dirty="0" smtClean="0" b="0" strike="noStrike">
+                <a:latin typeface="Trebuchet MS" charset="0"/>
+                <a:ea typeface="Trebuchet MS" charset="0"/>
+              </a:rPr>
+              <a:t>NaverLogin API</a:t>
+            </a:r>
+            <a:endParaRPr lang="ko-KR" altLang="en-US" sz="1800" cap="none" dirty="0" smtClean="0" b="0" strike="noStrike">
+              <a:latin typeface="Trebuchet MS" charset="0"/>
+              <a:ea typeface="Trebuchet MS" charset="0"/>
+            </a:endParaRPr>
+          </a:p>
+          <a:p>
+            <a:pPr marL="342900" indent="-342900" algn="l" fontAlgn="auto" defTabSz="457200">
+              <a:lnSpc>
+                <a:spcPct val="100000"/>
+              </a:lnSpc>
+              <a:spcBef>
+                <a:spcPts val="1000"/>
+              </a:spcBef>
+              <a:spcAft>
+                <a:spcPts val="0"/>
+              </a:spcAft>
+              <a:buClr>
+                <a:srgbClr val="90C226"/>
+              </a:buClr>
+              <a:buSzPct val="80000"/>
+              <a:buFont typeface="Wingdings 3"/>
+              <a:buChar char="u"/>
+            </a:pPr>
+            <a:r>
+              <a:rPr lang="en-US" altLang="ko-KR" sz="1800" cap="none" dirty="0" smtClean="0" b="0" strike="noStrike">
+                <a:latin typeface="Trebuchet MS" charset="0"/>
+                <a:ea typeface="Trebuchet MS" charset="0"/>
+              </a:rPr>
+              <a:t>Javascript</a:t>
+            </a:r>
+            <a:endParaRPr lang="ko-KR" altLang="en-US" sz="1800" cap="none" dirty="0" smtClean="0" b="0" strike="noStrike">
+              <a:latin typeface="Trebuchet MS" charset="0"/>
+              <a:ea typeface="Trebuchet MS" charset="0"/>
+            </a:endParaRPr>
+          </a:p>
+          <a:p>
+            <a:pPr marL="342900" indent="-342900" algn="l" fontAlgn="auto" defTabSz="457200">
+              <a:lnSpc>
+                <a:spcPct val="100000"/>
+              </a:lnSpc>
+              <a:spcBef>
+                <a:spcPts val="1000"/>
+              </a:spcBef>
+              <a:spcAft>
+                <a:spcPts val="0"/>
+              </a:spcAft>
+              <a:buClr>
+                <a:srgbClr val="90C226"/>
+              </a:buClr>
+              <a:buSzPct val="80000"/>
+              <a:buFont typeface="Wingdings 3"/>
+              <a:buChar char="u"/>
+            </a:pPr>
+            <a:r>
+              <a:rPr lang="en-US" altLang="ko-KR" sz="1800" cap="none" dirty="0" smtClean="0" b="0" strike="noStrike">
+                <a:latin typeface="Trebuchet MS" charset="0"/>
+                <a:ea typeface="Trebuchet MS" charset="0"/>
+              </a:rPr>
+              <a:t>EmailAPI : </a:t>
+            </a:r>
+            <a:r>
+              <a:rPr lang="en-US" altLang="ko-KR" sz="1800" cap="none" dirty="0" smtClean="0" b="0" strike="noStrike">
+                <a:latin typeface="HY그래픽M" charset="0"/>
+                <a:ea typeface="HY그래픽M" charset="0"/>
+              </a:rPr>
+              <a:t>회원가입</a:t>
+            </a:r>
+            <a:r>
+              <a:rPr lang="en-US" altLang="ko-KR" sz="1800" cap="none" dirty="0" smtClean="0" b="0" strike="noStrike">
+                <a:latin typeface="Trebuchet MS" charset="0"/>
+                <a:ea typeface="Trebuchet MS" charset="0"/>
+              </a:rPr>
               <a:t> </a:t>
             </a:r>
             <a:r>
-              <a:rPr lang="en-US" altLang="ko-KR" dirty="0" smtClean="0"/>
-              <a:t>5.7</a:t>
-            </a:r>
-          </a:p>
-          <a:p>
-            <a:r>
-              <a:rPr lang="en-US" altLang="ko-KR" dirty="0" smtClean="0"/>
-              <a:t>Ajax, </a:t>
-            </a:r>
-            <a:r>
-              <a:rPr lang="en-US" altLang="ko-KR" dirty="0" err="1" smtClean="0"/>
-              <a:t>Jquery</a:t>
-            </a:r>
-            <a:endParaRPr lang="en-US" altLang="ko-KR" dirty="0" smtClean="0"/>
-          </a:p>
-          <a:p>
-            <a:r>
-              <a:rPr lang="en-US" altLang="ko-KR" dirty="0" err="1" smtClean="0"/>
-              <a:t>NaverLogin</a:t>
-            </a:r>
-            <a:r>
-              <a:rPr lang="en-US" altLang="ko-KR" dirty="0" smtClean="0"/>
+              <a:rPr lang="en-US" altLang="ko-KR" sz="1800" cap="none" dirty="0" smtClean="0" b="0" strike="noStrike">
+                <a:latin typeface="HY그래픽M" charset="0"/>
+                <a:ea typeface="HY그래픽M" charset="0"/>
+              </a:rPr>
+              <a:t>시</a:t>
+            </a:r>
+            <a:r>
+              <a:rPr lang="en-US" altLang="ko-KR" sz="1800" cap="none" dirty="0" smtClean="0" b="0" strike="noStrike">
+                <a:latin typeface="Trebuchet MS" charset="0"/>
+                <a:ea typeface="Trebuchet MS" charset="0"/>
+              </a:rPr>
+              <a:t>, </a:t>
+            </a:r>
+            <a:r>
+              <a:rPr lang="en-US" altLang="ko-KR" sz="1800" cap="none" dirty="0" smtClean="0" b="0" strike="noStrike">
+                <a:latin typeface="HY그래픽M" charset="0"/>
+                <a:ea typeface="HY그래픽M" charset="0"/>
+              </a:rPr>
+              <a:t>가입</a:t>
+            </a:r>
+            <a:r>
+              <a:rPr lang="en-US" altLang="ko-KR" sz="1800" cap="none" dirty="0" smtClean="0" b="0" strike="noStrike">
+                <a:latin typeface="Trebuchet MS" charset="0"/>
+                <a:ea typeface="Trebuchet MS" charset="0"/>
+              </a:rPr>
+              <a:t> </a:t>
+            </a:r>
+            <a:r>
+              <a:rPr lang="en-US" altLang="ko-KR" sz="1800" cap="none" dirty="0" smtClean="0" b="0" strike="noStrike">
+                <a:latin typeface="HY그래픽M" charset="0"/>
+                <a:ea typeface="HY그래픽M" charset="0"/>
+              </a:rPr>
+              <a:t>환영</a:t>
+            </a:r>
+            <a:r>
+              <a:rPr lang="en-US" altLang="ko-KR" sz="1800" cap="none" dirty="0" smtClean="0" b="0" strike="noStrike">
+                <a:latin typeface="Trebuchet MS" charset="0"/>
+                <a:ea typeface="Trebuchet MS" charset="0"/>
+              </a:rPr>
+              <a:t> </a:t>
+            </a:r>
+            <a:r>
+              <a:rPr lang="en-US" altLang="ko-KR" sz="1800" cap="none" dirty="0" smtClean="0" b="0" strike="noStrike">
+                <a:latin typeface="HY그래픽M" charset="0"/>
+                <a:ea typeface="HY그래픽M" charset="0"/>
+              </a:rPr>
+              <a:t>메일</a:t>
+            </a:r>
+            <a:r>
+              <a:rPr lang="en-US" altLang="ko-KR" sz="1800" cap="none" dirty="0" smtClean="0" b="0" strike="noStrike">
+                <a:latin typeface="Trebuchet MS" charset="0"/>
+                <a:ea typeface="Trebuchet MS" charset="0"/>
+              </a:rPr>
+              <a:t> </a:t>
+            </a:r>
+            <a:r>
+              <a:rPr lang="en-US" altLang="ko-KR" sz="1800" cap="none" dirty="0" smtClean="0" b="0" strike="noStrike">
+                <a:latin typeface="HY그래픽M" charset="0"/>
+                <a:ea typeface="HY그래픽M" charset="0"/>
+              </a:rPr>
+              <a:t>전송</a:t>
+            </a:r>
+            <a:endParaRPr lang="ko-KR" altLang="en-US" sz="1800" cap="none" dirty="0" smtClean="0" b="0" strike="noStrike">
+              <a:latin typeface="HY그래픽M" charset="0"/>
+              <a:ea typeface="HY그래픽M" charset="0"/>
+            </a:endParaRPr>
+          </a:p>
+          <a:p>
+            <a:pPr marL="342900" indent="-342900" algn="l" fontAlgn="auto" defTabSz="457200">
+              <a:lnSpc>
+                <a:spcPct val="100000"/>
+              </a:lnSpc>
+              <a:spcBef>
+                <a:spcPts val="1000"/>
+              </a:spcBef>
+              <a:spcAft>
+                <a:spcPts val="0"/>
+              </a:spcAft>
+              <a:buClr>
+                <a:srgbClr val="90C226"/>
+              </a:buClr>
+              <a:buSzPct val="80000"/>
+              <a:buFont typeface="Wingdings 3"/>
+              <a:buChar char="u"/>
+            </a:pPr>
+            <a:r>
+              <a:rPr lang="en-US" altLang="ko-KR" sz="1800" cap="none" dirty="0" smtClean="0" b="0" strike="noStrike">
+                <a:latin typeface="Trebuchet MS" charset="0"/>
+                <a:ea typeface="Trebuchet MS" charset="0"/>
+              </a:rPr>
+              <a:t>SMS API :</a:t>
+            </a:r>
+            <a:r>
+              <a:rPr lang="en-US" altLang="ko-KR" sz="1800" cap="none" dirty="0" smtClean="0" b="0" strike="noStrike">
+                <a:latin typeface="HY그래픽M" charset="0"/>
+                <a:ea typeface="HY그래픽M" charset="0"/>
+              </a:rPr>
+              <a:t>고객이</a:t>
+            </a:r>
+            <a:r>
+              <a:rPr lang="en-US" altLang="ko-KR" sz="1800" cap="none" dirty="0" smtClean="0" b="0" strike="noStrike">
+                <a:latin typeface="Trebuchet MS" charset="0"/>
+                <a:ea typeface="Trebuchet MS" charset="0"/>
+              </a:rPr>
+              <a:t> </a:t>
+            </a:r>
+            <a:r>
+              <a:rPr lang="en-US" altLang="ko-KR" sz="1800" cap="none" dirty="0" smtClean="0" b="0" strike="noStrike">
+                <a:latin typeface="HY그래픽M" charset="0"/>
+                <a:ea typeface="HY그래픽M" charset="0"/>
+              </a:rPr>
+              <a:t>의뢰를</a:t>
+            </a:r>
+            <a:r>
+              <a:rPr lang="en-US" altLang="ko-KR" sz="1800" cap="none" dirty="0" smtClean="0" b="0" strike="noStrike">
+                <a:latin typeface="Trebuchet MS" charset="0"/>
+                <a:ea typeface="Trebuchet MS" charset="0"/>
+              </a:rPr>
+              <a:t> </a:t>
+            </a:r>
+            <a:r>
+              <a:rPr lang="en-US" altLang="ko-KR" sz="1800" cap="none" dirty="0" smtClean="0" b="0" strike="noStrike">
+                <a:latin typeface="HY그래픽M" charset="0"/>
+                <a:ea typeface="HY그래픽M" charset="0"/>
+              </a:rPr>
+              <a:t>등록했을</a:t>
+            </a:r>
+            <a:r>
+              <a:rPr lang="en-US" altLang="ko-KR" sz="1800" cap="none" dirty="0" smtClean="0" b="0" strike="noStrike">
+                <a:latin typeface="Trebuchet MS" charset="0"/>
+                <a:ea typeface="Trebuchet MS" charset="0"/>
+              </a:rPr>
+              <a:t> </a:t>
+            </a:r>
+            <a:r>
+              <a:rPr lang="en-US" altLang="ko-KR" sz="1800" cap="none" dirty="0" smtClean="0" b="0" strike="noStrike">
+                <a:latin typeface="HY그래픽M" charset="0"/>
+                <a:ea typeface="HY그래픽M" charset="0"/>
+              </a:rPr>
+              <a:t>시</a:t>
+            </a:r>
+            <a:r>
+              <a:rPr lang="en-US" altLang="ko-KR" sz="1800" cap="none" dirty="0" smtClean="0" b="0" strike="noStrike">
+                <a:latin typeface="Trebuchet MS" charset="0"/>
+                <a:ea typeface="Trebuchet MS" charset="0"/>
+              </a:rPr>
+              <a:t>, </a:t>
+            </a:r>
+            <a:r>
+              <a:rPr lang="en-US" altLang="ko-KR" sz="1800" cap="none" dirty="0" smtClean="0" b="0" strike="noStrike">
+                <a:latin typeface="HY그래픽M" charset="0"/>
+                <a:ea typeface="HY그래픽M" charset="0"/>
+              </a:rPr>
+              <a:t>자동적으로</a:t>
+            </a:r>
+            <a:r>
+              <a:rPr lang="en-US" altLang="ko-KR" sz="1800" cap="none" dirty="0" smtClean="0" b="0" strike="noStrike">
+                <a:latin typeface="Trebuchet MS" charset="0"/>
+                <a:ea typeface="Trebuchet MS" charset="0"/>
+              </a:rPr>
+              <a:t> </a:t>
+            </a:r>
+            <a:r>
+              <a:rPr lang="en-US" altLang="ko-KR" sz="1800" cap="none" dirty="0" smtClean="0" b="0" strike="noStrike">
+                <a:latin typeface="HY그래픽M" charset="0"/>
+                <a:ea typeface="HY그래픽M" charset="0"/>
+              </a:rPr>
+              <a:t>그</a:t>
+            </a:r>
+            <a:r>
+              <a:rPr lang="en-US" altLang="ko-KR" sz="1800" cap="none" dirty="0" smtClean="0" b="0" strike="noStrike">
+                <a:latin typeface="Trebuchet MS" charset="0"/>
+                <a:ea typeface="Trebuchet MS" charset="0"/>
+              </a:rPr>
+              <a:t> </a:t>
+            </a:r>
+            <a:r>
+              <a:rPr lang="en-US" altLang="ko-KR" sz="1800" cap="none" dirty="0" smtClean="0" b="0" strike="noStrike">
+                <a:latin typeface="HY그래픽M" charset="0"/>
+                <a:ea typeface="HY그래픽M" charset="0"/>
+              </a:rPr>
+              <a:t>언어에</a:t>
+            </a:r>
+            <a:r>
+              <a:rPr lang="en-US" altLang="ko-KR" sz="1800" cap="none" dirty="0" smtClean="0" b="0" strike="noStrike">
+                <a:latin typeface="Trebuchet MS" charset="0"/>
+                <a:ea typeface="Trebuchet MS" charset="0"/>
+              </a:rPr>
+              <a:t> </a:t>
+            </a:r>
+            <a:r>
+              <a:rPr lang="en-US" altLang="ko-KR" sz="1800" cap="none" dirty="0" smtClean="0" b="0" strike="noStrike">
+                <a:latin typeface="HY그래픽M" charset="0"/>
+                <a:ea typeface="HY그래픽M" charset="0"/>
+              </a:rPr>
+              <a:t>해당하는</a:t>
+            </a:r>
+            <a:r>
+              <a:rPr lang="en-US" altLang="ko-KR" sz="1800" cap="none" dirty="0" smtClean="0" b="0" strike="noStrike">
+                <a:latin typeface="Trebuchet MS" charset="0"/>
+                <a:ea typeface="Trebuchet MS" charset="0"/>
+              </a:rPr>
+              <a:t> </a:t>
+            </a:r>
+            <a:r>
+              <a:rPr lang="en-US" altLang="ko-KR" sz="1800" cap="none" dirty="0" smtClean="0" b="0" strike="noStrike">
+                <a:latin typeface="HY그래픽M" charset="0"/>
+                <a:ea typeface="HY그래픽M" charset="0"/>
+              </a:rPr>
+              <a:t>통</a:t>
+            </a:r>
+            <a:r>
+              <a:rPr lang="en-US" altLang="ko-KR" sz="1800" cap="none" dirty="0" smtClean="0" b="0" strike="noStrike">
+                <a:latin typeface="Trebuchet MS" charset="0"/>
+                <a:ea typeface="Trebuchet MS" charset="0"/>
+              </a:rPr>
+              <a:t>,</a:t>
+            </a:r>
+            <a:r>
+              <a:rPr lang="en-US" altLang="ko-KR" sz="1800" cap="none" dirty="0" smtClean="0" b="0" strike="noStrike">
+                <a:latin typeface="HY그래픽M" charset="0"/>
+                <a:ea typeface="HY그래픽M" charset="0"/>
+              </a:rPr>
+              <a:t>번역가에게</a:t>
+            </a:r>
+            <a:r>
+              <a:rPr lang="en-US" altLang="ko-KR" sz="1800" cap="none" dirty="0" smtClean="0" b="0" strike="noStrike">
+                <a:latin typeface="Trebuchet MS" charset="0"/>
+                <a:ea typeface="Trebuchet MS" charset="0"/>
+              </a:rPr>
+              <a:t> </a:t>
+            </a:r>
+            <a:r>
+              <a:rPr lang="en-US" altLang="ko-KR" sz="1800" cap="none" dirty="0" smtClean="0" b="0" strike="noStrike">
+                <a:latin typeface="HY그래픽M" charset="0"/>
+                <a:ea typeface="HY그래픽M" charset="0"/>
+              </a:rPr>
+              <a:t>문자</a:t>
+            </a:r>
+            <a:r>
+              <a:rPr lang="en-US" altLang="ko-KR" sz="1800" cap="none" dirty="0" smtClean="0" b="0" strike="noStrike">
+                <a:latin typeface="Trebuchet MS" charset="0"/>
+                <a:ea typeface="Trebuchet MS" charset="0"/>
+              </a:rPr>
+              <a:t> </a:t>
+            </a:r>
+            <a:r>
+              <a:rPr lang="en-US" altLang="ko-KR" sz="1800" cap="none" dirty="0" smtClean="0" b="0" strike="noStrike">
+                <a:latin typeface="HY그래픽M" charset="0"/>
+                <a:ea typeface="HY그래픽M" charset="0"/>
+              </a:rPr>
+              <a:t>발송</a:t>
+            </a:r>
+            <a:endParaRPr lang="ko-KR" altLang="en-US" sz="1800" cap="none" dirty="0" smtClean="0" b="0" strike="noStrike">
+              <a:latin typeface="HY그래픽M" charset="0"/>
+              <a:ea typeface="HY그래픽M" charset="0"/>
+            </a:endParaRPr>
+          </a:p>
+          <a:p>
+            <a:pPr marL="342900" indent="-342900" algn="l" fontAlgn="auto" defTabSz="457200">
+              <a:lnSpc>
+                <a:spcPct val="100000"/>
+              </a:lnSpc>
+              <a:spcBef>
+                <a:spcPts val="1000"/>
+              </a:spcBef>
+              <a:spcAft>
+                <a:spcPts val="0"/>
+              </a:spcAft>
+              <a:buClr>
+                <a:srgbClr val="90C226"/>
+              </a:buClr>
+              <a:buSzPct val="80000"/>
+              <a:buFont typeface="Wingdings 3"/>
+              <a:buChar char="u"/>
+            </a:pPr>
+            <a:r>
+              <a:rPr lang="en-US" altLang="ko-KR" sz="1800" cap="none" dirty="0" smtClean="0" b="0" strike="noStrike">
+                <a:latin typeface="Trebuchet MS" charset="0"/>
+                <a:ea typeface="Trebuchet MS" charset="0"/>
+              </a:rPr>
+              <a:t>OpenWeathermap API </a:t>
+            </a:r>
+            <a:endParaRPr lang="ko-KR" altLang="en-US" sz="1800" cap="none" dirty="0" smtClean="0" b="0" strike="noStrike">
+              <a:latin typeface="Trebuchet MS" charset="0"/>
+              <a:ea typeface="Trebuchet MS" charset="0"/>
+            </a:endParaRPr>
+          </a:p>
+          <a:p>
+            <a:pPr marL="0" indent="0" algn="l" fontAlgn="auto" defTabSz="457200">
+              <a:lnSpc>
+                <a:spcPct val="100000"/>
+              </a:lnSpc>
+              <a:spcBef>
+                <a:spcPts val="1000"/>
+              </a:spcBef>
+              <a:spcAft>
+                <a:spcPts val="0"/>
+              </a:spcAft>
+              <a:buFontTx/>
+              <a:buNone/>
+            </a:pPr>
+            <a:r>
+              <a:rPr lang="en-US" altLang="ko-KR" sz="1800" cap="none" dirty="0" smtClean="0" b="0" strike="noStrike">
+                <a:latin typeface="Trebuchet MS" charset="0"/>
+                <a:ea typeface="Trebuchet MS" charset="0"/>
+              </a:rPr>
+              <a:t>     - </a:t>
+            </a:r>
+            <a:r>
+              <a:rPr lang="en-US" altLang="ko-KR" sz="1800" cap="none" dirty="0" smtClean="0" b="0" strike="noStrike">
+                <a:latin typeface="HY그래픽M" charset="0"/>
+                <a:ea typeface="HY그래픽M" charset="0"/>
+              </a:rPr>
+              <a:t>날씨</a:t>
+            </a:r>
+            <a:r>
+              <a:rPr lang="en-US" altLang="ko-KR" sz="1800" cap="none" dirty="0" smtClean="0" b="0" strike="noStrike">
+                <a:latin typeface="Trebuchet MS" charset="0"/>
+                <a:ea typeface="Trebuchet MS" charset="0"/>
+              </a:rPr>
+              <a:t> </a:t>
+            </a:r>
+            <a:r>
+              <a:rPr lang="en-US" altLang="ko-KR" sz="1800" cap="none" dirty="0" smtClean="0" b="0" strike="noStrike">
+                <a:latin typeface="HY그래픽M" charset="0"/>
+                <a:ea typeface="HY그래픽M" charset="0"/>
+              </a:rPr>
+              <a:t>데이터</a:t>
+            </a:r>
+            <a:r>
+              <a:rPr lang="en-US" altLang="ko-KR" sz="1800" cap="none" dirty="0" smtClean="0" b="0" strike="noStrike">
+                <a:latin typeface="Trebuchet MS" charset="0"/>
+                <a:ea typeface="Trebuchet MS" charset="0"/>
+              </a:rPr>
               <a:t> API</a:t>
             </a:r>
-          </a:p>
-          <a:p>
-            <a:r>
-              <a:rPr lang="en-US" altLang="ko-KR" dirty="0" err="1" smtClean="0"/>
-              <a:t>Javascript</a:t>
-            </a:r>
-            <a:endParaRPr lang="en-US" altLang="ko-KR" dirty="0" smtClean="0"/>
-          </a:p>
-          <a:p>
-            <a:r>
-              <a:rPr lang="en-US" altLang="ko-KR" dirty="0" err="1" smtClean="0"/>
-              <a:t>EmailAPI</a:t>
-            </a:r>
-            <a:r>
-              <a:rPr lang="en-US" altLang="ko-KR" dirty="0" smtClean="0"/>
-              <a:t> : </a:t>
-            </a:r>
-            <a:r>
-              <a:rPr lang="ko-KR" altLang="en-US" dirty="0" smtClean="0"/>
-              <a:t>회원가입 시</a:t>
-            </a:r>
-            <a:r>
-              <a:rPr lang="en-US" altLang="ko-KR" dirty="0" smtClean="0"/>
-              <a:t>, </a:t>
-            </a:r>
-            <a:r>
-              <a:rPr lang="ko-KR" altLang="en-US" dirty="0" smtClean="0"/>
-              <a:t>가입 환영 메일 전송</a:t>
-            </a:r>
-            <a:endParaRPr lang="en-US" altLang="ko-KR" dirty="0"/>
-          </a:p>
-          <a:p>
-            <a:r>
-              <a:rPr lang="en-US" altLang="ko-KR" dirty="0" smtClean="0"/>
-              <a:t>SMS API :</a:t>
-            </a:r>
-            <a:r>
-              <a:rPr lang="ko-KR" altLang="en-US" dirty="0" smtClean="0"/>
-              <a:t>고객이 의뢰를 등록했을 시</a:t>
-            </a:r>
-            <a:r>
-              <a:rPr lang="en-US" altLang="ko-KR" dirty="0" smtClean="0"/>
-              <a:t>, </a:t>
-            </a:r>
-            <a:r>
-              <a:rPr lang="ko-KR" altLang="en-US" dirty="0" smtClean="0"/>
-              <a:t>자동적으로 그 언어에 해당하는 통</a:t>
-            </a:r>
-            <a:r>
-              <a:rPr lang="en-US" altLang="ko-KR" dirty="0" smtClean="0"/>
-              <a:t>,</a:t>
-            </a:r>
-            <a:r>
-              <a:rPr lang="ko-KR" altLang="en-US" dirty="0" smtClean="0"/>
-              <a:t>번역가에게 문자 발송</a:t>
-            </a:r>
-            <a:endParaRPr lang="en-US" altLang="ko-KR" dirty="0" smtClean="0"/>
-          </a:p>
-          <a:p>
-            <a:r>
-              <a:rPr lang="en-US" altLang="ko-KR" dirty="0" err="1" smtClean="0"/>
-              <a:t>OpenWeathermap</a:t>
-            </a:r>
-            <a:r>
-              <a:rPr lang="en-US" altLang="ko-KR" dirty="0" smtClean="0"/>
-              <a:t> API </a:t>
-            </a:r>
-          </a:p>
-          <a:p>
-            <a:pPr marL="0" indent="0">
-              <a:buNone/>
+            <a:endParaRPr lang="ko-KR" altLang="en-US" sz="1800" cap="none" dirty="0" smtClean="0" b="0" strike="noStrike">
+              <a:latin typeface="Trebuchet MS" charset="0"/>
+              <a:ea typeface="Trebuchet MS" charset="0"/>
+            </a:endParaRPr>
+          </a:p>
+          <a:p>
+            <a:pPr marL="342900" indent="-342900" algn="l" fontAlgn="auto" defTabSz="457200">
+              <a:lnSpc>
+                <a:spcPct val="100000"/>
+              </a:lnSpc>
+              <a:spcBef>
+                <a:spcPts val="1000"/>
+              </a:spcBef>
+              <a:spcAft>
+                <a:spcPts val="0"/>
+              </a:spcAft>
+              <a:buClr>
+                <a:srgbClr val="90C226"/>
+              </a:buClr>
+              <a:buSzPct val="80000"/>
+              <a:buFont typeface="Wingdings 3"/>
+              <a:buChar char="u"/>
             </a:pPr>
             <a:r>
-              <a:rPr lang="en-US" altLang="ko-KR" dirty="0"/>
-              <a:t> </a:t>
-            </a:r>
-            <a:r>
-              <a:rPr lang="en-US" altLang="ko-KR" dirty="0" smtClean="0"/>
-              <a:t>    - </a:t>
-            </a:r>
-            <a:r>
-              <a:rPr lang="ko-KR" altLang="en-US" dirty="0" smtClean="0"/>
-              <a:t>날씨 데이터 </a:t>
-            </a:r>
-            <a:r>
-              <a:rPr lang="en-US" altLang="ko-KR" dirty="0" smtClean="0"/>
-              <a:t>API</a:t>
-            </a:r>
-          </a:p>
-          <a:p>
-            <a:r>
-              <a:rPr lang="en-US" altLang="ko-KR" dirty="0" err="1" smtClean="0"/>
+              <a:rPr lang="en-US" altLang="ko-KR" sz="1800" cap="none" dirty="0" smtClean="0" b="0" strike="noStrike">
+                <a:latin typeface="Trebuchet MS" charset="0"/>
+                <a:ea typeface="Trebuchet MS" charset="0"/>
+              </a:rPr>
               <a:t>BootStrap</a:t>
             </a:r>
-            <a:endParaRPr lang="en-US" altLang="ko-KR" dirty="0" smtClean="0"/>
-          </a:p>
-          <a:p>
-            <a:endParaRPr lang="en-US" altLang="ko-KR" dirty="0" smtClean="0"/>
-          </a:p>
-          <a:p>
-            <a:endParaRPr lang="en-US" altLang="ko-KR" dirty="0" smtClean="0"/>
+            <a:endParaRPr lang="ko-KR" altLang="en-US" sz="1800" cap="none" dirty="0" smtClean="0" b="0" strike="noStrike">
+              <a:latin typeface="Trebuchet MS" charset="0"/>
+              <a:ea typeface="Trebuchet MS" charset="0"/>
+            </a:endParaRPr>
+          </a:p>
+          <a:p>
+            <a:pPr marL="342900" indent="-342900" algn="l" fontAlgn="auto" defTabSz="457200">
+              <a:lnSpc>
+                <a:spcPct val="100000"/>
+              </a:lnSpc>
+              <a:spcBef>
+                <a:spcPts val="1000"/>
+              </a:spcBef>
+              <a:spcAft>
+                <a:spcPts val="0"/>
+              </a:spcAft>
+              <a:buClr>
+                <a:srgbClr val="90C226"/>
+              </a:buClr>
+              <a:buSzPct val="80000"/>
+              <a:buFont typeface="Wingdings 3"/>
+              <a:buChar char="u"/>
+            </a:pPr>
+            <a:endParaRPr lang="ko-KR" altLang="en-US" sz="1800" cap="none" dirty="0" smtClean="0" b="0" strike="noStrike">
+              <a:latin typeface="Trebuchet MS" charset="0"/>
+              <a:ea typeface="Trebuchet MS" charset="0"/>
+            </a:endParaRPr>
+          </a:p>
+          <a:p>
+            <a:pPr marL="342900" indent="-342900" algn="l" fontAlgn="auto" defTabSz="457200">
+              <a:lnSpc>
+                <a:spcPct val="100000"/>
+              </a:lnSpc>
+              <a:spcBef>
+                <a:spcPts val="1000"/>
+              </a:spcBef>
+              <a:spcAft>
+                <a:spcPts val="0"/>
+              </a:spcAft>
+              <a:buClr>
+                <a:srgbClr val="90C226"/>
+              </a:buClr>
+              <a:buSzPct val="80000"/>
+              <a:buFont typeface="Wingdings 3"/>
+              <a:buChar char="u"/>
+            </a:pPr>
+            <a:endParaRPr lang="ko-KR" altLang="en-US" sz="1800" cap="none" dirty="0" smtClean="0" b="0" strike="noStrike">
+              <a:latin typeface="Trebuchet MS" charset="0"/>
+              <a:ea typeface="Trebuchet MS" charset="0"/>
+            </a:endParaRPr>
           </a:p>
         </p:txBody>
       </p:sp>
@@ -6227,6 +6699,14 @@
   <p:clrMapOvr>
     <a:masterClrMapping/>
   </p:clrMapOvr>
+  <mc:AlternateContent xmlns:mc="http://schemas.openxmlformats.org/markup-compatibility/2006">
+    <mc:Choice xmlns:p14="http://schemas.microsoft.com/office/powerpoint/2010/main" Requires="p14">
+      <p:transition spd="slow" p14:dur="2000"/>
+    </mc:Choice>
+    <mc:Fallback>
+      <p:transition spd="slow"/>
+    </mc:Fallback>
+  </mc:AlternateContent>
   <p:timing>
     <p:tnLst>
       <p:par>
